--- a/教案/课程设计：基于哈夫曼算法的文件压缩与解压.pptx
+++ b/教案/课程设计：基于哈夫曼算法的文件压缩与解压.pptx
@@ -18,6 +18,7 @@
     <p:sldId id="275" r:id="rId12"/>
     <p:sldId id="265" r:id="rId13"/>
     <p:sldId id="268" r:id="rId14"/>
+    <p:sldId id="276" r:id="rId15"/>
   </p:sldIdLst>
   <p:sldSz cx="12192000" cy="6858000"/>
   <p:notesSz cx="6858000" cy="9144000"/>
@@ -10703,6 +10704,219 @@
 </p:sld>
 </file>
 
+<file path=ppt/slides/slide14.xml><?xml version="1.0" encoding="utf-8"?>
+<p:sld xmlns:a="http://schemas.openxmlformats.org/drawingml/2006/main" xmlns:r="http://schemas.openxmlformats.org/officeDocument/2006/relationships" xmlns:p="http://schemas.openxmlformats.org/presentationml/2006/main">
+  <p:cSld>
+    <p:spTree>
+      <p:nvGrpSpPr>
+        <p:cNvPr id="1" name=""/>
+        <p:cNvGrpSpPr/>
+        <p:nvPr/>
+      </p:nvGrpSpPr>
+      <p:grpSpPr>
+        <a:xfrm>
+          <a:off x="0" y="0"/>
+          <a:ext cx="0" cy="0"/>
+          <a:chOff x="0" y="0"/>
+          <a:chExt cx="0" cy="0"/>
+        </a:xfrm>
+      </p:grpSpPr>
+      <p:sp>
+        <p:nvSpPr>
+          <p:cNvPr id="2" name="标题 1">
+            <a:extLst>
+              <a:ext uri="{FF2B5EF4-FFF2-40B4-BE49-F238E27FC236}">
+                <a16:creationId xmlns:a16="http://schemas.microsoft.com/office/drawing/2014/main" id="{28EA7902-83A7-4C24-B594-36E40D2AA75B}"/>
+              </a:ext>
+            </a:extLst>
+          </p:cNvPr>
+          <p:cNvSpPr>
+            <a:spLocks noGrp="1"/>
+          </p:cNvSpPr>
+          <p:nvPr>
+            <p:ph type="title"/>
+          </p:nvPr>
+        </p:nvSpPr>
+        <p:spPr/>
+        <p:txBody>
+          <a:bodyPr/>
+          <a:lstStyle/>
+          <a:p>
+            <a:r>
+              <a:rPr lang="zh-CN" altLang="en-US" dirty="0"/>
+              <a:t>迭代开发</a:t>
+            </a:r>
+          </a:p>
+        </p:txBody>
+      </p:sp>
+      <p:sp>
+        <p:nvSpPr>
+          <p:cNvPr id="3" name="内容占位符 2">
+            <a:extLst>
+              <a:ext uri="{FF2B5EF4-FFF2-40B4-BE49-F238E27FC236}">
+                <a16:creationId xmlns:a16="http://schemas.microsoft.com/office/drawing/2014/main" id="{CF01ACF6-788B-4E82-A5F2-46518C21AA6E}"/>
+              </a:ext>
+            </a:extLst>
+          </p:cNvPr>
+          <p:cNvSpPr>
+            <a:spLocks noGrp="1"/>
+          </p:cNvSpPr>
+          <p:nvPr>
+            <p:ph idx="1"/>
+          </p:nvPr>
+        </p:nvSpPr>
+        <p:spPr/>
+        <p:txBody>
+          <a:bodyPr>
+            <a:normAutofit fontScale="85000" lnSpcReduction="20000"/>
+          </a:bodyPr>
+          <a:lstStyle/>
+          <a:p>
+            <a:r>
+              <a:rPr lang="en-US" altLang="zh-CN" dirty="0"/>
+              <a:t>1</a:t>
+            </a:r>
+            <a:r>
+              <a:rPr lang="zh-CN" altLang="en-US" dirty="0"/>
+              <a:t>、解析命令行参数；</a:t>
+            </a:r>
+            <a:endParaRPr lang="en-US" altLang="zh-CN" dirty="0"/>
+          </a:p>
+          <a:p>
+            <a:r>
+              <a:rPr lang="en-US" altLang="zh-CN" dirty="0"/>
+              <a:t>2</a:t>
+            </a:r>
+            <a:r>
+              <a:rPr lang="zh-CN" altLang="en-US" dirty="0"/>
+              <a:t>、读入待压缩文件，统计字节频率；</a:t>
+            </a:r>
+            <a:endParaRPr lang="en-US" altLang="zh-CN" dirty="0"/>
+          </a:p>
+          <a:p>
+            <a:r>
+              <a:rPr lang="en-US" altLang="zh-CN" dirty="0"/>
+              <a:t>3</a:t>
+            </a:r>
+            <a:r>
+              <a:rPr lang="zh-CN" altLang="en-US" dirty="0"/>
+              <a:t>、构造哈夫曼树；</a:t>
+            </a:r>
+            <a:endParaRPr lang="en-US" altLang="zh-CN" dirty="0"/>
+          </a:p>
+          <a:p>
+            <a:r>
+              <a:rPr lang="en-US" altLang="zh-CN" dirty="0"/>
+              <a:t>4</a:t>
+            </a:r>
+            <a:r>
+              <a:rPr lang="zh-CN" altLang="en-US" dirty="0"/>
+              <a:t>、构造哈夫曼编码；</a:t>
+            </a:r>
+            <a:endParaRPr lang="en-US" altLang="zh-CN" dirty="0"/>
+          </a:p>
+          <a:p>
+            <a:r>
+              <a:rPr lang="en-US" altLang="zh-CN" dirty="0"/>
+              <a:t>5</a:t>
+            </a:r>
+            <a:r>
+              <a:rPr lang="zh-CN" altLang="en-US" dirty="0"/>
+              <a:t>、构造编码头；</a:t>
+            </a:r>
+            <a:endParaRPr lang="en-US" altLang="zh-CN" dirty="0"/>
+          </a:p>
+          <a:p>
+            <a:r>
+              <a:rPr lang="en-US" altLang="zh-CN" dirty="0"/>
+              <a:t>6</a:t>
+            </a:r>
+            <a:r>
+              <a:rPr lang="zh-CN" altLang="en-US" dirty="0"/>
+              <a:t>、读入待压缩文件，逐字节编码到位流；</a:t>
+            </a:r>
+            <a:endParaRPr lang="en-US" altLang="zh-CN" dirty="0"/>
+          </a:p>
+          <a:p>
+            <a:r>
+              <a:rPr lang="en-US" altLang="zh-CN" dirty="0"/>
+              <a:t>7</a:t>
+            </a:r>
+            <a:r>
+              <a:rPr lang="zh-CN" altLang="en-US" dirty="0"/>
+              <a:t>、输出到压缩文件；</a:t>
+            </a:r>
+            <a:endParaRPr lang="en-US" altLang="zh-CN" dirty="0"/>
+          </a:p>
+          <a:p>
+            <a:r>
+              <a:rPr lang="en-US" altLang="zh-CN" dirty="0"/>
+              <a:t>8</a:t>
+            </a:r>
+            <a:r>
+              <a:rPr lang="zh-CN" altLang="en-US" dirty="0"/>
+              <a:t>、读入压缩文件编码头；</a:t>
+            </a:r>
+            <a:endParaRPr lang="en-US" altLang="zh-CN" dirty="0"/>
+          </a:p>
+          <a:p>
+            <a:r>
+              <a:rPr lang="en-US" altLang="zh-CN" dirty="0"/>
+              <a:t>9</a:t>
+            </a:r>
+            <a:r>
+              <a:rPr lang="zh-CN" altLang="en-US" dirty="0"/>
+              <a:t>、恢复哈夫曼树和哈夫曼编码；</a:t>
+            </a:r>
+            <a:endParaRPr lang="en-US" altLang="zh-CN" dirty="0"/>
+          </a:p>
+          <a:p>
+            <a:r>
+              <a:rPr lang="en-US" altLang="zh-CN" dirty="0"/>
+              <a:t>10</a:t>
+            </a:r>
+            <a:r>
+              <a:rPr lang="zh-CN" altLang="en-US" dirty="0"/>
+              <a:t>、按位流读入压缩文件；</a:t>
+            </a:r>
+            <a:endParaRPr lang="en-US" altLang="zh-CN" dirty="0"/>
+          </a:p>
+          <a:p>
+            <a:r>
+              <a:rPr lang="en-US" altLang="zh-CN" dirty="0"/>
+              <a:t>11</a:t>
+            </a:r>
+            <a:r>
+              <a:rPr lang="zh-CN" altLang="en-US" dirty="0"/>
+              <a:t>、解码成字节流；</a:t>
+            </a:r>
+            <a:endParaRPr lang="en-US" altLang="zh-CN" dirty="0"/>
+          </a:p>
+          <a:p>
+            <a:r>
+              <a:rPr lang="en-US" altLang="zh-CN" dirty="0"/>
+              <a:t>12</a:t>
+            </a:r>
+            <a:r>
+              <a:rPr lang="zh-CN" altLang="en-US" dirty="0"/>
+              <a:t>、输出到解压缩文件；</a:t>
+            </a:r>
+          </a:p>
+        </p:txBody>
+      </p:sp>
+    </p:spTree>
+    <p:extLst>
+      <p:ext uri="{BB962C8B-B14F-4D97-AF65-F5344CB8AC3E}">
+        <p14:creationId xmlns:p14="http://schemas.microsoft.com/office/powerpoint/2010/main" val="1411269410"/>
+      </p:ext>
+    </p:extLst>
+  </p:cSld>
+  <p:clrMapOvr>
+    <a:masterClrMapping/>
+  </p:clrMapOvr>
+</p:sld>
+</file>
+
 <file path=ppt/slides/slide2.xml><?xml version="1.0" encoding="utf-8"?>
 <p:sld xmlns:a="http://schemas.openxmlformats.org/drawingml/2006/main" xmlns:r="http://schemas.openxmlformats.org/officeDocument/2006/relationships" xmlns:p="http://schemas.openxmlformats.org/presentationml/2006/main">
   <p:cSld>
